--- a/15_Ch11_API_h.pptx
+++ b/15_Ch11_API_h.pptx
@@ -3663,7 +3663,7 @@
                   <a:srgbClr val="FFFF00"/>
                 </a:solidFill>
               </a:rPr>
-              <a:t>10.4 API: </a:t>
+              <a:t>11.4 API: </a:t>
             </a:r>
             <a:r>
               <a:rPr lang="en-US" altLang="zh-TW" b="1" dirty="0" err="1">
@@ -4254,7 +4254,7 @@
                   <a:srgbClr val="FFFF00"/>
                 </a:solidFill>
               </a:rPr>
-              <a:t>10.5 API: hyperlink</a:t>
+              <a:t>11.5 API: hyperlink</a:t>
             </a:r>
             <a:endParaRPr lang="zh-TW" altLang="en-US" b="1" dirty="0">
               <a:solidFill>
@@ -4732,7 +4732,7 @@
                   <a:srgbClr val="FFFF00"/>
                 </a:solidFill>
               </a:rPr>
-              <a:t>10.5 Summary</a:t>
+              <a:t>11.5 Summary</a:t>
             </a:r>
             <a:endParaRPr lang="zh-TW" altLang="en-US" b="1" dirty="0">
               <a:solidFill>
@@ -5746,7 +5746,7 @@
                   <a:srgbClr val="FFFF00"/>
                 </a:solidFill>
               </a:rPr>
-              <a:t>10.1 API: hibernate</a:t>
+              <a:t>11.1 API: hibernate</a:t>
             </a:r>
             <a:endParaRPr lang="zh-TW" altLang="en-US" b="1" dirty="0">
               <a:solidFill>
@@ -6325,7 +6325,7 @@
                   <a:srgbClr val="FFFF00"/>
                 </a:solidFill>
               </a:rPr>
-              <a:t>10.2 API: horizontal</a:t>
+              <a:t>11.2 API: horizontal</a:t>
             </a:r>
             <a:endParaRPr lang="zh-TW" altLang="en-US" b="1" dirty="0">
               <a:solidFill>
@@ -6842,7 +6842,7 @@
                   <a:srgbClr val="FFFF00"/>
                 </a:solidFill>
               </a:rPr>
-              <a:t>10.3 API: </a:t>
+              <a:t>11.3 API: </a:t>
             </a:r>
             <a:r>
               <a:rPr lang="en-US" altLang="zh-TW" b="1" dirty="0" err="1">
